--- a/DSP/Ditte-Powerpoints/dspExamQ8.pptx
+++ b/DSP/Ditte-Powerpoints/dspExamQ8.pptx
@@ -5,7 +5,7 @@
     <p:sldMasterId id="2147483648" r:id="rId1"/>
   </p:sldMasterIdLst>
   <p:notesMasterIdLst>
-    <p:notesMasterId r:id="rId14"/>
+    <p:notesMasterId r:id="rId12"/>
   </p:notesMasterIdLst>
   <p:sldIdLst>
     <p:sldId id="256" r:id="rId2"/>
@@ -16,10 +16,8 @@
     <p:sldId id="265" r:id="rId7"/>
     <p:sldId id="266" r:id="rId8"/>
     <p:sldId id="268" r:id="rId9"/>
-    <p:sldId id="270" r:id="rId10"/>
-    <p:sldId id="271" r:id="rId11"/>
-    <p:sldId id="272" r:id="rId12"/>
-    <p:sldId id="274" r:id="rId13"/>
+    <p:sldId id="271" r:id="rId10"/>
+    <p:sldId id="272" r:id="rId11"/>
   </p:sldIdLst>
   <p:sldSz cx="12192000" cy="6858000"/>
   <p:notesSz cx="6858000" cy="9144000"/>
@@ -585,7 +583,7 @@
           <a:p>
             <a:fld id="{237DF243-990D-452E-B2F0-0A24C40DD102}" type="datetimeFigureOut">
               <a:rPr lang="en-US" smtClean="0"/>
-              <a:t>1/14/2025</a:t>
+              <a:t>1/15/2025</a:t>
             </a:fld>
             <a:endParaRPr lang="en-US"/>
           </a:p>
@@ -999,7 +997,7 @@
           <a:p>
             <a:fld id="{9CB904D7-2B70-4964-9B23-4E5B349F082D}" type="datetimeFigureOut">
               <a:rPr lang="en-US" smtClean="0"/>
-              <a:t>1/14/2025</a:t>
+              <a:t>1/15/2025</a:t>
             </a:fld>
             <a:endParaRPr lang="en-US"/>
           </a:p>
@@ -1204,7 +1202,7 @@
           <a:p>
             <a:fld id="{9CB904D7-2B70-4964-9B23-4E5B349F082D}" type="datetimeFigureOut">
               <a:rPr lang="en-US" smtClean="0"/>
-              <a:t>1/14/2025</a:t>
+              <a:t>1/15/2025</a:t>
             </a:fld>
             <a:endParaRPr lang="en-US"/>
           </a:p>
@@ -1479,7 +1477,7 @@
           <a:p>
             <a:fld id="{9CB904D7-2B70-4964-9B23-4E5B349F082D}" type="datetimeFigureOut">
               <a:rPr lang="en-US" smtClean="0"/>
-              <a:t>1/14/2025</a:t>
+              <a:t>1/15/2025</a:t>
             </a:fld>
             <a:endParaRPr lang="en-US"/>
           </a:p>
@@ -1744,7 +1742,7 @@
           <a:p>
             <a:fld id="{9CB904D7-2B70-4964-9B23-4E5B349F082D}" type="datetimeFigureOut">
               <a:rPr lang="en-US" smtClean="0"/>
-              <a:t>1/14/2025</a:t>
+              <a:t>1/15/2025</a:t>
             </a:fld>
             <a:endParaRPr lang="en-US"/>
           </a:p>
@@ -2156,7 +2154,7 @@
           <a:p>
             <a:fld id="{9CB904D7-2B70-4964-9B23-4E5B349F082D}" type="datetimeFigureOut">
               <a:rPr lang="en-US" smtClean="0"/>
-              <a:t>1/14/2025</a:t>
+              <a:t>1/15/2025</a:t>
             </a:fld>
             <a:endParaRPr lang="en-US"/>
           </a:p>
@@ -2297,7 +2295,7 @@
           <a:p>
             <a:fld id="{9CB904D7-2B70-4964-9B23-4E5B349F082D}" type="datetimeFigureOut">
               <a:rPr lang="en-US" smtClean="0"/>
-              <a:t>1/14/2025</a:t>
+              <a:t>1/15/2025</a:t>
             </a:fld>
             <a:endParaRPr lang="en-US"/>
           </a:p>
@@ -2410,7 +2408,7 @@
           <a:p>
             <a:fld id="{9CB904D7-2B70-4964-9B23-4E5B349F082D}" type="datetimeFigureOut">
               <a:rPr lang="en-US" smtClean="0"/>
-              <a:t>1/14/2025</a:t>
+              <a:t>1/15/2025</a:t>
             </a:fld>
             <a:endParaRPr lang="en-US"/>
           </a:p>
@@ -2651,7 +2649,7 @@
           <a:p>
             <a:fld id="{9CB904D7-2B70-4964-9B23-4E5B349F082D}" type="datetimeFigureOut">
               <a:rPr lang="en-US" smtClean="0"/>
-              <a:t>1/14/2025</a:t>
+              <a:t>1/15/2025</a:t>
             </a:fld>
             <a:endParaRPr lang="en-US"/>
           </a:p>
@@ -3424,10 +3422,10 @@
       </p:grpSpPr>
       <p:pic>
         <p:nvPicPr>
-          <p:cNvPr id="3" name="Picture 2">
-            <a:extLst>
-              <a:ext uri="{FF2B5EF4-FFF2-40B4-BE49-F238E27FC236}">
-                <a16:creationId xmlns:a16="http://schemas.microsoft.com/office/drawing/2014/main" id="{F8BB1AFC-A534-5DA4-953F-F4F7EDC6A4DC}"/>
+          <p:cNvPr id="4" name="Picture 3">
+            <a:extLst>
+              <a:ext uri="{FF2B5EF4-FFF2-40B4-BE49-F238E27FC236}">
+                <a16:creationId xmlns:a16="http://schemas.microsoft.com/office/drawing/2014/main" id="{88294D75-996D-38EB-46B6-6A8BC1E53AD2}"/>
               </a:ext>
             </a:extLst>
           </p:cNvPr>
@@ -3444,68 +3442,8 @@
         </p:blipFill>
         <p:spPr>
           <a:xfrm>
-            <a:off x="1533525" y="-1"/>
-            <a:ext cx="9124950" cy="6858002"/>
-          </a:xfrm>
-          <a:prstGeom prst="rect">
-            <a:avLst/>
-          </a:prstGeom>
-        </p:spPr>
-      </p:pic>
-    </p:spTree>
-    <p:extLst>
-      <p:ext uri="{BB962C8B-B14F-4D97-AF65-F5344CB8AC3E}">
-        <p14:creationId xmlns:p14="http://schemas.microsoft.com/office/powerpoint/2010/main" val="1023368136"/>
-      </p:ext>
-    </p:extLst>
-  </p:cSld>
-  <p:clrMapOvr>
-    <a:masterClrMapping/>
-  </p:clrMapOvr>
-</p:sld>
-</file>
-
-<file path=ppt/slides/slide11.xml><?xml version="1.0" encoding="utf-8"?>
-<p:sld xmlns:a="http://schemas.openxmlformats.org/drawingml/2006/main" xmlns:r="http://schemas.openxmlformats.org/officeDocument/2006/relationships" xmlns:p="http://schemas.openxmlformats.org/presentationml/2006/main">
-  <p:cSld>
-    <p:spTree>
-      <p:nvGrpSpPr>
-        <p:cNvPr id="1" name=""/>
-        <p:cNvGrpSpPr/>
-        <p:nvPr/>
-      </p:nvGrpSpPr>
-      <p:grpSpPr>
-        <a:xfrm>
-          <a:off x="0" y="0"/>
-          <a:ext cx="0" cy="0"/>
-          <a:chOff x="0" y="0"/>
-          <a:chExt cx="0" cy="0"/>
-        </a:xfrm>
-      </p:grpSpPr>
-      <p:pic>
-        <p:nvPicPr>
-          <p:cNvPr id="3" name="Picture 2">
-            <a:extLst>
-              <a:ext uri="{FF2B5EF4-FFF2-40B4-BE49-F238E27FC236}">
-                <a16:creationId xmlns:a16="http://schemas.microsoft.com/office/drawing/2014/main" id="{1D139C05-42AE-D74D-BA8E-FD2C4146378E}"/>
-              </a:ext>
-            </a:extLst>
-          </p:cNvPr>
-          <p:cNvPicPr>
-            <a:picLocks noChangeAspect="1"/>
-          </p:cNvPicPr>
-          <p:nvPr/>
-        </p:nvPicPr>
-        <p:blipFill>
-          <a:blip r:embed="rId2"/>
-          <a:stretch>
-            <a:fillRect/>
-          </a:stretch>
-        </p:blipFill>
-        <p:spPr>
-          <a:xfrm>
-            <a:off x="1533525" y="-1"/>
-            <a:ext cx="9124950" cy="6858002"/>
+            <a:off x="2358452" y="559304"/>
+            <a:ext cx="7475096" cy="5739392"/>
           </a:xfrm>
           <a:prstGeom prst="rect">
             <a:avLst/>
@@ -3516,36 +3454,6 @@
     <p:extLst>
       <p:ext uri="{BB962C8B-B14F-4D97-AF65-F5344CB8AC3E}">
         <p14:creationId xmlns:p14="http://schemas.microsoft.com/office/powerpoint/2010/main" val="3227674777"/>
-      </p:ext>
-    </p:extLst>
-  </p:cSld>
-  <p:clrMapOvr>
-    <a:masterClrMapping/>
-  </p:clrMapOvr>
-</p:sld>
-</file>
-
-<file path=ppt/slides/slide12.xml><?xml version="1.0" encoding="utf-8"?>
-<p:sld xmlns:a="http://schemas.openxmlformats.org/drawingml/2006/main" xmlns:r="http://schemas.openxmlformats.org/officeDocument/2006/relationships" xmlns:p="http://schemas.openxmlformats.org/presentationml/2006/main">
-  <p:cSld>
-    <p:spTree>
-      <p:nvGrpSpPr>
-        <p:cNvPr id="1" name=""/>
-        <p:cNvGrpSpPr/>
-        <p:nvPr/>
-      </p:nvGrpSpPr>
-      <p:grpSpPr>
-        <a:xfrm>
-          <a:off x="0" y="0"/>
-          <a:ext cx="0" cy="0"/>
-          <a:chOff x="0" y="0"/>
-          <a:chExt cx="0" cy="0"/>
-        </a:xfrm>
-      </p:grpSpPr>
-    </p:spTree>
-    <p:extLst>
-      <p:ext uri="{BB962C8B-B14F-4D97-AF65-F5344CB8AC3E}">
-        <p14:creationId xmlns:p14="http://schemas.microsoft.com/office/powerpoint/2010/main" val="394932064"/>
       </p:ext>
     </p:extLst>
   </p:cSld>
@@ -4154,7 +4062,7 @@
           <p:cNvPr id="3" name="Picture 2">
             <a:extLst>
               <a:ext uri="{FF2B5EF4-FFF2-40B4-BE49-F238E27FC236}">
-                <a16:creationId xmlns:a16="http://schemas.microsoft.com/office/drawing/2014/main" id="{82045F0E-912A-23D5-0E78-1846C69FA828}"/>
+                <a16:creationId xmlns:a16="http://schemas.microsoft.com/office/drawing/2014/main" id="{F8BB1AFC-A534-5DA4-953F-F4F7EDC6A4DC}"/>
               </a:ext>
             </a:extLst>
           </p:cNvPr>
@@ -4165,14 +4073,43 @@
         </p:nvPicPr>
         <p:blipFill>
           <a:blip r:embed="rId2"/>
+          <a:srcRect t="13426" b="11816"/>
+          <a:stretch/>
+        </p:blipFill>
+        <p:spPr>
+          <a:xfrm>
+            <a:off x="3923578" y="1109271"/>
+            <a:ext cx="8268422" cy="4645698"/>
+          </a:xfrm>
+          <a:prstGeom prst="rect">
+            <a:avLst/>
+          </a:prstGeom>
+        </p:spPr>
+      </p:pic>
+      <p:pic>
+        <p:nvPicPr>
+          <p:cNvPr id="6" name="Picture 5">
+            <a:extLst>
+              <a:ext uri="{FF2B5EF4-FFF2-40B4-BE49-F238E27FC236}">
+                <a16:creationId xmlns:a16="http://schemas.microsoft.com/office/drawing/2014/main" id="{9545A52B-F39C-22F1-0EB1-31C528737D23}"/>
+              </a:ext>
+            </a:extLst>
+          </p:cNvPr>
+          <p:cNvPicPr>
+            <a:picLocks noChangeAspect="1"/>
+          </p:cNvPicPr>
+          <p:nvPr/>
+        </p:nvPicPr>
+        <p:blipFill>
+          <a:blip r:embed="rId3"/>
           <a:stretch>
             <a:fillRect/>
           </a:stretch>
         </p:blipFill>
         <p:spPr>
           <a:xfrm>
-            <a:off x="1533527" y="0"/>
-            <a:ext cx="9124946" cy="6858000"/>
+            <a:off x="214296" y="1109271"/>
+            <a:ext cx="4310012" cy="4804348"/>
           </a:xfrm>
           <a:prstGeom prst="rect">
             <a:avLst/>
@@ -4182,7 +4119,7 @@
     </p:spTree>
     <p:extLst>
       <p:ext uri="{BB962C8B-B14F-4D97-AF65-F5344CB8AC3E}">
-        <p14:creationId xmlns:p14="http://schemas.microsoft.com/office/powerpoint/2010/main" val="3967098289"/>
+        <p14:creationId xmlns:p14="http://schemas.microsoft.com/office/powerpoint/2010/main" val="1023368136"/>
       </p:ext>
     </p:extLst>
   </p:cSld>

--- a/DSP/Ditte-Powerpoints/dspExamQ8.pptx
+++ b/DSP/Ditte-Powerpoints/dspExamQ8.pptx
@@ -5,7 +5,7 @@
     <p:sldMasterId id="2147483648" r:id="rId1"/>
   </p:sldMasterIdLst>
   <p:notesMasterIdLst>
-    <p:notesMasterId r:id="rId12"/>
+    <p:notesMasterId r:id="rId14"/>
   </p:notesMasterIdLst>
   <p:sldIdLst>
     <p:sldId id="256" r:id="rId2"/>
@@ -17,7 +17,9 @@
     <p:sldId id="266" r:id="rId8"/>
     <p:sldId id="268" r:id="rId9"/>
     <p:sldId id="271" r:id="rId10"/>
-    <p:sldId id="272" r:id="rId11"/>
+    <p:sldId id="277" r:id="rId11"/>
+    <p:sldId id="278" r:id="rId12"/>
+    <p:sldId id="272" r:id="rId13"/>
   </p:sldIdLst>
   <p:sldSz cx="12192000" cy="6858000"/>
   <p:notesSz cx="6858000" cy="9144000"/>
@@ -127,13 +129,83 @@
 <file path=ppt/revisionInfo.xml><?xml version="1.0" encoding="utf-8"?>
 <p1510:revInfo xmlns:a="http://schemas.openxmlformats.org/drawingml/2006/main" xmlns:r="http://schemas.openxmlformats.org/officeDocument/2006/relationships" xmlns:p1510="http://schemas.microsoft.com/office/powerpoint/2015/10/main">
   <p1510:revLst>
-    <p1510:client id="{448EC6C1-99B5-4F22-BF37-6088F6A9A82C}" v="3" dt="2024-12-28T10:39:34.160"/>
+    <p1510:client id="{67D1125B-E00F-4A5D-B693-CEBC36CA6D08}" v="3" dt="2025-01-15T15:25:42.924"/>
   </p1510:revLst>
 </p1510:revInfo>
 </file>
 
 <file path=ppt/changesInfos/changesInfo1.xml><?xml version="1.0" encoding="utf-8"?>
 <pc:chgInfo xmlns:a="http://schemas.openxmlformats.org/drawingml/2006/main" xmlns:r="http://schemas.openxmlformats.org/officeDocument/2006/relationships" xmlns:ac="http://schemas.microsoft.com/office/drawing/2013/main/command" xmlns:pc="http://schemas.microsoft.com/office/powerpoint/2013/main/command">
+  <pc:docChgLst>
+    <pc:chgData name="Ditte Filskov Theilgaard" userId="150196ba-3d64-4ece-aa51-395739ba31e6" providerId="ADAL" clId="{67D1125B-E00F-4A5D-B693-CEBC36CA6D08}"/>
+    <pc:docChg chg="undo custSel addSld modSld">
+      <pc:chgData name="Ditte Filskov Theilgaard" userId="150196ba-3d64-4ece-aa51-395739ba31e6" providerId="ADAL" clId="{67D1125B-E00F-4A5D-B693-CEBC36CA6D08}" dt="2025-01-15T15:25:35.489" v="163" actId="14100"/>
+      <pc:docMkLst>
+        <pc:docMk/>
+      </pc:docMkLst>
+      <pc:sldChg chg="addSp modSp mod">
+        <pc:chgData name="Ditte Filskov Theilgaard" userId="150196ba-3d64-4ece-aa51-395739ba31e6" providerId="ADAL" clId="{67D1125B-E00F-4A5D-B693-CEBC36CA6D08}" dt="2025-01-15T15:25:35.489" v="163" actId="14100"/>
+        <pc:sldMkLst>
+          <pc:docMk/>
+          <pc:sldMk cId="4027991178" sldId="257"/>
+        </pc:sldMkLst>
+        <pc:spChg chg="mod">
+          <ac:chgData name="Ditte Filskov Theilgaard" userId="150196ba-3d64-4ece-aa51-395739ba31e6" providerId="ADAL" clId="{67D1125B-E00F-4A5D-B693-CEBC36CA6D08}" dt="2025-01-15T09:46:00.526" v="139" actId="20577"/>
+          <ac:spMkLst>
+            <pc:docMk/>
+            <pc:sldMk cId="4027991178" sldId="257"/>
+            <ac:spMk id="3" creationId="{8F5EB24A-E97D-517A-212F-5A5C3D1AB203}"/>
+          </ac:spMkLst>
+        </pc:spChg>
+        <pc:picChg chg="add mod">
+          <ac:chgData name="Ditte Filskov Theilgaard" userId="150196ba-3d64-4ece-aa51-395739ba31e6" providerId="ADAL" clId="{67D1125B-E00F-4A5D-B693-CEBC36CA6D08}" dt="2025-01-15T15:25:35.489" v="163" actId="14100"/>
+          <ac:picMkLst>
+            <pc:docMk/>
+            <pc:sldMk cId="4027991178" sldId="257"/>
+            <ac:picMk id="5" creationId="{72141FA4-A34B-8E7B-A15D-C6B29150F872}"/>
+          </ac:picMkLst>
+        </pc:picChg>
+      </pc:sldChg>
+      <pc:sldChg chg="addSp modSp new mod">
+        <pc:chgData name="Ditte Filskov Theilgaard" userId="150196ba-3d64-4ece-aa51-395739ba31e6" providerId="ADAL" clId="{67D1125B-E00F-4A5D-B693-CEBC36CA6D08}" dt="2025-01-15T09:47:04.118" v="142" actId="1076"/>
+        <pc:sldMkLst>
+          <pc:docMk/>
+          <pc:sldMk cId="3391891949" sldId="277"/>
+        </pc:sldMkLst>
+        <pc:picChg chg="add mod">
+          <ac:chgData name="Ditte Filskov Theilgaard" userId="150196ba-3d64-4ece-aa51-395739ba31e6" providerId="ADAL" clId="{67D1125B-E00F-4A5D-B693-CEBC36CA6D08}" dt="2025-01-15T09:47:04.118" v="142" actId="1076"/>
+          <ac:picMkLst>
+            <pc:docMk/>
+            <pc:sldMk cId="3391891949" sldId="277"/>
+            <ac:picMk id="3" creationId="{44CC1554-FE4B-0C97-F37C-79C3DDA39F28}"/>
+          </ac:picMkLst>
+        </pc:picChg>
+      </pc:sldChg>
+      <pc:sldChg chg="addSp modSp new mod">
+        <pc:chgData name="Ditte Filskov Theilgaard" userId="150196ba-3d64-4ece-aa51-395739ba31e6" providerId="ADAL" clId="{67D1125B-E00F-4A5D-B693-CEBC36CA6D08}" dt="2025-01-15T15:16:43.944" v="157" actId="1076"/>
+        <pc:sldMkLst>
+          <pc:docMk/>
+          <pc:sldMk cId="3399237934" sldId="278"/>
+        </pc:sldMkLst>
+        <pc:picChg chg="add mod modCrop">
+          <ac:chgData name="Ditte Filskov Theilgaard" userId="150196ba-3d64-4ece-aa51-395739ba31e6" providerId="ADAL" clId="{67D1125B-E00F-4A5D-B693-CEBC36CA6D08}" dt="2025-01-15T15:16:43.944" v="157" actId="1076"/>
+          <ac:picMkLst>
+            <pc:docMk/>
+            <pc:sldMk cId="3399237934" sldId="278"/>
+            <ac:picMk id="2" creationId="{871D3755-5AFC-3C32-1ED9-08CDFF54A7CA}"/>
+          </ac:picMkLst>
+        </pc:picChg>
+        <pc:picChg chg="add mod modCrop">
+          <ac:chgData name="Ditte Filskov Theilgaard" userId="150196ba-3d64-4ece-aa51-395739ba31e6" providerId="ADAL" clId="{67D1125B-E00F-4A5D-B693-CEBC36CA6D08}" dt="2025-01-15T15:16:37.630" v="154" actId="1076"/>
+          <ac:picMkLst>
+            <pc:docMk/>
+            <pc:sldMk cId="3399237934" sldId="278"/>
+            <ac:picMk id="3" creationId="{325BA940-943E-7E65-5800-ABF43EE1D49E}"/>
+          </ac:picMkLst>
+        </pc:picChg>
+      </pc:sldChg>
+    </pc:docChg>
+  </pc:docChgLst>
   <pc:docChgLst>
     <pc:chgData name="Ditte Filskov Theilgaard" userId="150196ba-3d64-4ece-aa51-395739ba31e6" providerId="ADAL" clId="{448EC6C1-99B5-4F22-BF37-6088F6A9A82C}"/>
     <pc:docChg chg="undo custSel addSld delSld modSld">
@@ -398,14 +470,6 @@
           <pc:docMk/>
           <pc:sldMk cId="1497654989" sldId="269"/>
         </pc:sldMkLst>
-        <pc:picChg chg="add mod">
-          <ac:chgData name="Ditte Filskov Theilgaard" userId="150196ba-3d64-4ece-aa51-395739ba31e6" providerId="ADAL" clId="{448EC6C1-99B5-4F22-BF37-6088F6A9A82C}" dt="2024-12-28T10:46:41.614" v="282" actId="14100"/>
-          <ac:picMkLst>
-            <pc:docMk/>
-            <pc:sldMk cId="1497654989" sldId="269"/>
-            <ac:picMk id="3" creationId="{28067121-4A8C-896E-5008-64D918034B72}"/>
-          </ac:picMkLst>
-        </pc:picChg>
       </pc:sldChg>
       <pc:sldChg chg="addSp delSp modSp new mod">
         <pc:chgData name="Ditte Filskov Theilgaard" userId="150196ba-3d64-4ece-aa51-395739ba31e6" providerId="ADAL" clId="{448EC6C1-99B5-4F22-BF37-6088F6A9A82C}" dt="2024-12-28T10:47:08.445" v="288" actId="478"/>
@@ -413,14 +477,6 @@
           <pc:docMk/>
           <pc:sldMk cId="3967098289" sldId="270"/>
         </pc:sldMkLst>
-        <pc:picChg chg="add mod">
-          <ac:chgData name="Ditte Filskov Theilgaard" userId="150196ba-3d64-4ece-aa51-395739ba31e6" providerId="ADAL" clId="{448EC6C1-99B5-4F22-BF37-6088F6A9A82C}" dt="2024-12-28T10:47:00.974" v="286" actId="14100"/>
-          <ac:picMkLst>
-            <pc:docMk/>
-            <pc:sldMk cId="3967098289" sldId="270"/>
-            <ac:picMk id="3" creationId="{82045F0E-912A-23D5-0E78-1846C69FA828}"/>
-          </ac:picMkLst>
-        </pc:picChg>
       </pc:sldChg>
       <pc:sldChg chg="addSp modSp new mod">
         <pc:chgData name="Ditte Filskov Theilgaard" userId="150196ba-3d64-4ece-aa51-395739ba31e6" providerId="ADAL" clId="{448EC6C1-99B5-4F22-BF37-6088F6A9A82C}" dt="2024-12-28T10:47:12.959" v="290" actId="14100"/>
@@ -443,14 +499,6 @@
           <pc:docMk/>
           <pc:sldMk cId="3227674777" sldId="272"/>
         </pc:sldMkLst>
-        <pc:picChg chg="add mod">
-          <ac:chgData name="Ditte Filskov Theilgaard" userId="150196ba-3d64-4ece-aa51-395739ba31e6" providerId="ADAL" clId="{448EC6C1-99B5-4F22-BF37-6088F6A9A82C}" dt="2024-12-28T10:47:26.804" v="295" actId="14100"/>
-          <ac:picMkLst>
-            <pc:docMk/>
-            <pc:sldMk cId="3227674777" sldId="272"/>
-            <ac:picMk id="3" creationId="{1D139C05-42AE-D74D-BA8E-FD2C4146378E}"/>
-          </ac:picMkLst>
-        </pc:picChg>
       </pc:sldChg>
       <pc:sldChg chg="new del">
         <pc:chgData name="Ditte Filskov Theilgaard" userId="150196ba-3d64-4ece-aa51-395739ba31e6" providerId="ADAL" clId="{448EC6C1-99B5-4F22-BF37-6088F6A9A82C}" dt="2024-12-28T10:47:28.723" v="296" actId="47"/>
@@ -995,7 +1043,7 @@
           <a:bodyPr/>
           <a:lstStyle/>
           <a:p>
-            <a:fld id="{9CB904D7-2B70-4964-9B23-4E5B349F082D}" type="datetimeFigureOut">
+            <a:fld id="{5C5ED4DD-9862-4554-8DB1-C2656A63BBB9}" type="datetime1">
               <a:rPr lang="en-US" smtClean="0"/>
               <a:t>1/15/2025</a:t>
             </a:fld>
@@ -1200,7 +1248,7 @@
           <a:bodyPr/>
           <a:lstStyle/>
           <a:p>
-            <a:fld id="{9CB904D7-2B70-4964-9B23-4E5B349F082D}" type="datetimeFigureOut">
+            <a:fld id="{8062C04D-7724-400C-8B9E-7F535B1B818C}" type="datetime1">
               <a:rPr lang="en-US" smtClean="0"/>
               <a:t>1/15/2025</a:t>
             </a:fld>
@@ -1475,7 +1523,7 @@
           <a:bodyPr/>
           <a:lstStyle/>
           <a:p>
-            <a:fld id="{9CB904D7-2B70-4964-9B23-4E5B349F082D}" type="datetimeFigureOut">
+            <a:fld id="{DAACF26C-EA79-4FAA-A974-D60FA5441A75}" type="datetime1">
               <a:rPr lang="en-US" smtClean="0"/>
               <a:t>1/15/2025</a:t>
             </a:fld>
@@ -1740,7 +1788,7 @@
           <a:bodyPr/>
           <a:lstStyle/>
           <a:p>
-            <a:fld id="{9CB904D7-2B70-4964-9B23-4E5B349F082D}" type="datetimeFigureOut">
+            <a:fld id="{9938B80D-88C4-42D2-8977-0528820C49F6}" type="datetime1">
               <a:rPr lang="en-US" smtClean="0"/>
               <a:t>1/15/2025</a:t>
             </a:fld>
@@ -2152,7 +2200,7 @@
           <a:bodyPr/>
           <a:lstStyle/>
           <a:p>
-            <a:fld id="{9CB904D7-2B70-4964-9B23-4E5B349F082D}" type="datetimeFigureOut">
+            <a:fld id="{5111C981-3AAB-4E4A-824C-A13FEF5A9894}" type="datetime1">
               <a:rPr lang="en-US" smtClean="0"/>
               <a:t>1/15/2025</a:t>
             </a:fld>
@@ -2293,7 +2341,7 @@
           <a:bodyPr/>
           <a:lstStyle/>
           <a:p>
-            <a:fld id="{9CB904D7-2B70-4964-9B23-4E5B349F082D}" type="datetimeFigureOut">
+            <a:fld id="{4067533D-3F48-4BF9-A923-FCC4CD12E488}" type="datetime1">
               <a:rPr lang="en-US" smtClean="0"/>
               <a:t>1/15/2025</a:t>
             </a:fld>
@@ -2406,7 +2454,7 @@
           <a:bodyPr/>
           <a:lstStyle/>
           <a:p>
-            <a:fld id="{9CB904D7-2B70-4964-9B23-4E5B349F082D}" type="datetimeFigureOut">
+            <a:fld id="{D49BABDD-0455-4F16-A98B-A8A21B3F6420}" type="datetime1">
               <a:rPr lang="en-US" smtClean="0"/>
               <a:t>1/15/2025</a:t>
             </a:fld>
@@ -2647,7 +2695,7 @@
             </a:lvl1pPr>
           </a:lstStyle>
           <a:p>
-            <a:fld id="{9CB904D7-2B70-4964-9B23-4E5B349F082D}" type="datetimeFigureOut">
+            <a:fld id="{6F701249-3591-46A3-BC5C-71BF8B5E621A}" type="datetime1">
               <a:rPr lang="en-US" smtClean="0"/>
               <a:t>1/15/2025</a:t>
             </a:fld>
@@ -2762,6 +2810,7 @@
     <p:sldLayoutId id="2147483654" r:id="rId6"/>
     <p:sldLayoutId id="2147483655" r:id="rId7"/>
   </p:sldLayoutIdLst>
+  <p:hf hdr="0" ftr="0" dt="0"/>
   <p:txStyles>
     <p:titleStyle>
       <a:lvl1pPr algn="l" defTabSz="914400" rtl="0" eaLnBrk="1" latinLnBrk="0" hangingPunct="1">
@@ -3390,6 +3439,35 @@
           </a:p>
         </p:txBody>
       </p:sp>
+      <p:sp>
+        <p:nvSpPr>
+          <p:cNvPr id="4" name="Slide Number Placeholder 3">
+            <a:extLst>
+              <a:ext uri="{FF2B5EF4-FFF2-40B4-BE49-F238E27FC236}">
+                <a16:creationId xmlns:a16="http://schemas.microsoft.com/office/drawing/2014/main" id="{9608781D-DA88-BF38-20BC-C601273E0928}"/>
+              </a:ext>
+            </a:extLst>
+          </p:cNvPr>
+          <p:cNvSpPr>
+            <a:spLocks noGrp="1"/>
+          </p:cNvSpPr>
+          <p:nvPr>
+            <p:ph type="sldNum" sz="quarter" idx="12"/>
+          </p:nvPr>
+        </p:nvSpPr>
+        <p:spPr/>
+        <p:txBody>
+          <a:bodyPr/>
+          <a:lstStyle/>
+          <a:p>
+            <a:fld id="{4B04BC67-DFA6-4863-89DB-B4077B3FACAF}" type="slidenum">
+              <a:rPr lang="en-US" smtClean="0"/>
+              <a:t>1</a:t>
+            </a:fld>
+            <a:endParaRPr lang="en-US"/>
+          </a:p>
+        </p:txBody>
+      </p:sp>
     </p:spTree>
     <p:extLst>
       <p:ext uri="{BB962C8B-B14F-4D97-AF65-F5344CB8AC3E}">
@@ -3422,6 +3500,212 @@
       </p:grpSpPr>
       <p:pic>
         <p:nvPicPr>
+          <p:cNvPr id="3" name="Picture 2">
+            <a:extLst>
+              <a:ext uri="{FF2B5EF4-FFF2-40B4-BE49-F238E27FC236}">
+                <a16:creationId xmlns:a16="http://schemas.microsoft.com/office/drawing/2014/main" id="{44CC1554-FE4B-0C97-F37C-79C3DDA39F28}"/>
+              </a:ext>
+            </a:extLst>
+          </p:cNvPr>
+          <p:cNvPicPr>
+            <a:picLocks noChangeAspect="1"/>
+          </p:cNvPicPr>
+          <p:nvPr/>
+        </p:nvPicPr>
+        <p:blipFill>
+          <a:blip r:embed="rId2"/>
+          <a:stretch>
+            <a:fillRect/>
+          </a:stretch>
+        </p:blipFill>
+        <p:spPr>
+          <a:xfrm>
+            <a:off x="0" y="302919"/>
+            <a:ext cx="12192000" cy="5709828"/>
+          </a:xfrm>
+          <a:prstGeom prst="rect">
+            <a:avLst/>
+          </a:prstGeom>
+        </p:spPr>
+      </p:pic>
+      <p:sp>
+        <p:nvSpPr>
+          <p:cNvPr id="2" name="Slide Number Placeholder 1">
+            <a:extLst>
+              <a:ext uri="{FF2B5EF4-FFF2-40B4-BE49-F238E27FC236}">
+                <a16:creationId xmlns:a16="http://schemas.microsoft.com/office/drawing/2014/main" id="{992906BB-D2B4-207E-FD4E-1CA7F34EAE33}"/>
+              </a:ext>
+            </a:extLst>
+          </p:cNvPr>
+          <p:cNvSpPr>
+            <a:spLocks noGrp="1"/>
+          </p:cNvSpPr>
+          <p:nvPr>
+            <p:ph type="sldNum" sz="quarter" idx="12"/>
+          </p:nvPr>
+        </p:nvSpPr>
+        <p:spPr/>
+        <p:txBody>
+          <a:bodyPr/>
+          <a:lstStyle/>
+          <a:p>
+            <a:fld id="{4B04BC67-DFA6-4863-89DB-B4077B3FACAF}" type="slidenum">
+              <a:rPr lang="en-US" smtClean="0"/>
+              <a:t>10</a:t>
+            </a:fld>
+            <a:endParaRPr lang="en-US"/>
+          </a:p>
+        </p:txBody>
+      </p:sp>
+    </p:spTree>
+    <p:extLst>
+      <p:ext uri="{BB962C8B-B14F-4D97-AF65-F5344CB8AC3E}">
+        <p14:creationId xmlns:p14="http://schemas.microsoft.com/office/powerpoint/2010/main" val="3391891949"/>
+      </p:ext>
+    </p:extLst>
+  </p:cSld>
+  <p:clrMapOvr>
+    <a:masterClrMapping/>
+  </p:clrMapOvr>
+</p:sld>
+</file>
+
+<file path=ppt/slides/slide11.xml><?xml version="1.0" encoding="utf-8"?>
+<p:sld xmlns:a="http://schemas.openxmlformats.org/drawingml/2006/main" xmlns:r="http://schemas.openxmlformats.org/officeDocument/2006/relationships" xmlns:p="http://schemas.openxmlformats.org/presentationml/2006/main">
+  <p:cSld>
+    <p:spTree>
+      <p:nvGrpSpPr>
+        <p:cNvPr id="1" name=""/>
+        <p:cNvGrpSpPr/>
+        <p:nvPr/>
+      </p:nvGrpSpPr>
+      <p:grpSpPr>
+        <a:xfrm>
+          <a:off x="0" y="0"/>
+          <a:ext cx="0" cy="0"/>
+          <a:chOff x="0" y="0"/>
+          <a:chExt cx="0" cy="0"/>
+        </a:xfrm>
+      </p:grpSpPr>
+      <p:pic>
+        <p:nvPicPr>
+          <p:cNvPr id="3" name="Picture 2">
+            <a:extLst>
+              <a:ext uri="{FF2B5EF4-FFF2-40B4-BE49-F238E27FC236}">
+                <a16:creationId xmlns:a16="http://schemas.microsoft.com/office/drawing/2014/main" id="{325BA940-943E-7E65-5800-ABF43EE1D49E}"/>
+              </a:ext>
+            </a:extLst>
+          </p:cNvPr>
+          <p:cNvPicPr>
+            <a:picLocks noChangeAspect="1"/>
+          </p:cNvPicPr>
+          <p:nvPr/>
+        </p:nvPicPr>
+        <p:blipFill>
+          <a:blip r:embed="rId2"/>
+          <a:srcRect l="38793"/>
+          <a:stretch/>
+        </p:blipFill>
+        <p:spPr>
+          <a:xfrm>
+            <a:off x="163961" y="714104"/>
+            <a:ext cx="7462345" cy="5429791"/>
+          </a:xfrm>
+          <a:prstGeom prst="rect">
+            <a:avLst/>
+          </a:prstGeom>
+        </p:spPr>
+      </p:pic>
+      <p:pic>
+        <p:nvPicPr>
+          <p:cNvPr id="2" name="Picture 1">
+            <a:extLst>
+              <a:ext uri="{FF2B5EF4-FFF2-40B4-BE49-F238E27FC236}">
+                <a16:creationId xmlns:a16="http://schemas.microsoft.com/office/drawing/2014/main" id="{871D3755-5AFC-3C32-1ED9-08CDFF54A7CA}"/>
+              </a:ext>
+            </a:extLst>
+          </p:cNvPr>
+          <p:cNvPicPr>
+            <a:picLocks noChangeAspect="1"/>
+          </p:cNvPicPr>
+          <p:nvPr/>
+        </p:nvPicPr>
+        <p:blipFill>
+          <a:blip r:embed="rId2"/>
+          <a:srcRect r="70060"/>
+          <a:stretch/>
+        </p:blipFill>
+        <p:spPr>
+          <a:xfrm>
+            <a:off x="7777655" y="237577"/>
+            <a:ext cx="4021258" cy="5981681"/>
+          </a:xfrm>
+          <a:prstGeom prst="rect">
+            <a:avLst/>
+          </a:prstGeom>
+        </p:spPr>
+      </p:pic>
+      <p:sp>
+        <p:nvSpPr>
+          <p:cNvPr id="4" name="Slide Number Placeholder 3">
+            <a:extLst>
+              <a:ext uri="{FF2B5EF4-FFF2-40B4-BE49-F238E27FC236}">
+                <a16:creationId xmlns:a16="http://schemas.microsoft.com/office/drawing/2014/main" id="{DFB8EED2-EC0A-4BFA-B57F-721516242FD4}"/>
+              </a:ext>
+            </a:extLst>
+          </p:cNvPr>
+          <p:cNvSpPr>
+            <a:spLocks noGrp="1"/>
+          </p:cNvSpPr>
+          <p:nvPr>
+            <p:ph type="sldNum" sz="quarter" idx="12"/>
+          </p:nvPr>
+        </p:nvSpPr>
+        <p:spPr/>
+        <p:txBody>
+          <a:bodyPr/>
+          <a:lstStyle/>
+          <a:p>
+            <a:fld id="{4B04BC67-DFA6-4863-89DB-B4077B3FACAF}" type="slidenum">
+              <a:rPr lang="en-US" smtClean="0"/>
+              <a:t>11</a:t>
+            </a:fld>
+            <a:endParaRPr lang="en-US"/>
+          </a:p>
+        </p:txBody>
+      </p:sp>
+    </p:spTree>
+    <p:extLst>
+      <p:ext uri="{BB962C8B-B14F-4D97-AF65-F5344CB8AC3E}">
+        <p14:creationId xmlns:p14="http://schemas.microsoft.com/office/powerpoint/2010/main" val="3399237934"/>
+      </p:ext>
+    </p:extLst>
+  </p:cSld>
+  <p:clrMapOvr>
+    <a:masterClrMapping/>
+  </p:clrMapOvr>
+</p:sld>
+</file>
+
+<file path=ppt/slides/slide12.xml><?xml version="1.0" encoding="utf-8"?>
+<p:sld xmlns:a="http://schemas.openxmlformats.org/drawingml/2006/main" xmlns:r="http://schemas.openxmlformats.org/officeDocument/2006/relationships" xmlns:p="http://schemas.openxmlformats.org/presentationml/2006/main">
+  <p:cSld>
+    <p:spTree>
+      <p:nvGrpSpPr>
+        <p:cNvPr id="1" name=""/>
+        <p:cNvGrpSpPr/>
+        <p:nvPr/>
+      </p:nvGrpSpPr>
+      <p:grpSpPr>
+        <a:xfrm>
+          <a:off x="0" y="0"/>
+          <a:ext cx="0" cy="0"/>
+          <a:chOff x="0" y="0"/>
+          <a:chExt cx="0" cy="0"/>
+        </a:xfrm>
+      </p:grpSpPr>
+      <p:pic>
+        <p:nvPicPr>
           <p:cNvPr id="4" name="Picture 3">
             <a:extLst>
               <a:ext uri="{FF2B5EF4-FFF2-40B4-BE49-F238E27FC236}">
@@ -3450,6 +3734,35 @@
           </a:prstGeom>
         </p:spPr>
       </p:pic>
+      <p:sp>
+        <p:nvSpPr>
+          <p:cNvPr id="2" name="Slide Number Placeholder 1">
+            <a:extLst>
+              <a:ext uri="{FF2B5EF4-FFF2-40B4-BE49-F238E27FC236}">
+                <a16:creationId xmlns:a16="http://schemas.microsoft.com/office/drawing/2014/main" id="{EBBBD48F-5693-9419-36F3-4A7522E6C27B}"/>
+              </a:ext>
+            </a:extLst>
+          </p:cNvPr>
+          <p:cNvSpPr>
+            <a:spLocks noGrp="1"/>
+          </p:cNvSpPr>
+          <p:nvPr>
+            <p:ph type="sldNum" sz="quarter" idx="12"/>
+          </p:nvPr>
+        </p:nvSpPr>
+        <p:spPr/>
+        <p:txBody>
+          <a:bodyPr/>
+          <a:lstStyle/>
+          <a:p>
+            <a:fld id="{4B04BC67-DFA6-4863-89DB-B4077B3FACAF}" type="slidenum">
+              <a:rPr lang="en-US" smtClean="0"/>
+              <a:t>12</a:t>
+            </a:fld>
+            <a:endParaRPr lang="en-US"/>
+          </a:p>
+        </p:txBody>
+      </p:sp>
     </p:spTree>
     <p:extLst>
       <p:ext uri="{BB962C8B-B14F-4D97-AF65-F5344CB8AC3E}">
@@ -3529,7 +3842,121 @@
           <a:bodyPr/>
           <a:lstStyle/>
           <a:p>
-            <a:endParaRPr lang="en-US" dirty="0"/>
+            <a:r>
+              <a:rPr lang="en-US" dirty="0"/>
+              <a:t>DFT </a:t>
+            </a:r>
+            <a:r>
+              <a:rPr lang="en-US" dirty="0" err="1"/>
+              <a:t>til</a:t>
+            </a:r>
+            <a:r>
+              <a:rPr lang="en-US" dirty="0"/>
+              <a:t> FFT</a:t>
+            </a:r>
+          </a:p>
+          <a:p>
+            <a:r>
+              <a:rPr lang="en-US" dirty="0" err="1"/>
+              <a:t>Symetrien</a:t>
+            </a:r>
+            <a:r>
+              <a:rPr lang="en-US" dirty="0"/>
+              <a:t> </a:t>
+            </a:r>
+            <a:r>
+              <a:rPr lang="en-US" dirty="0" err="1"/>
+              <a:t>af</a:t>
+            </a:r>
+            <a:r>
+              <a:rPr lang="en-US" dirty="0"/>
+              <a:t> Twiddle factor</a:t>
+            </a:r>
+          </a:p>
+          <a:p>
+            <a:r>
+              <a:rPr lang="en-US" dirty="0"/>
+              <a:t>FFT, </a:t>
+            </a:r>
+            <a:r>
+              <a:rPr lang="en-US" dirty="0" err="1"/>
+              <a:t>blutterfly</a:t>
+            </a:r>
+            <a:r>
+              <a:rPr lang="en-US" dirty="0"/>
+              <a:t> computation</a:t>
+            </a:r>
+          </a:p>
+          <a:p>
+            <a:r>
+              <a:rPr lang="en-US" dirty="0"/>
+              <a:t>Computation time for DFT vs FFT</a:t>
+            </a:r>
+          </a:p>
+        </p:txBody>
+      </p:sp>
+      <p:pic>
+        <p:nvPicPr>
+          <p:cNvPr id="5" name="Picture 4" descr="A graph of a graph&#10;&#10;Description automatically generated with medium confidence">
+            <a:extLst>
+              <a:ext uri="{FF2B5EF4-FFF2-40B4-BE49-F238E27FC236}">
+                <a16:creationId xmlns:a16="http://schemas.microsoft.com/office/drawing/2014/main" id="{72141FA4-A34B-8E7B-A15D-C6B29150F872}"/>
+              </a:ext>
+            </a:extLst>
+          </p:cNvPr>
+          <p:cNvPicPr>
+            <a:picLocks noChangeAspect="1"/>
+          </p:cNvPicPr>
+          <p:nvPr/>
+        </p:nvPicPr>
+        <p:blipFill>
+          <a:blip r:embed="rId2">
+            <a:extLst>
+              <a:ext uri="{28A0092B-C50C-407E-A947-70E740481C1C}">
+                <a14:useLocalDpi xmlns:a14="http://schemas.microsoft.com/office/drawing/2010/main" val="0"/>
+              </a:ext>
+            </a:extLst>
+          </a:blip>
+          <a:stretch>
+            <a:fillRect/>
+          </a:stretch>
+        </p:blipFill>
+        <p:spPr>
+          <a:xfrm>
+            <a:off x="0" y="4503876"/>
+            <a:ext cx="12192000" cy="2354124"/>
+          </a:xfrm>
+          <a:prstGeom prst="rect">
+            <a:avLst/>
+          </a:prstGeom>
+        </p:spPr>
+      </p:pic>
+      <p:sp>
+        <p:nvSpPr>
+          <p:cNvPr id="6" name="Slide Number Placeholder 5">
+            <a:extLst>
+              <a:ext uri="{FF2B5EF4-FFF2-40B4-BE49-F238E27FC236}">
+                <a16:creationId xmlns:a16="http://schemas.microsoft.com/office/drawing/2014/main" id="{4B85E924-0463-798C-FA81-07A395CCD171}"/>
+              </a:ext>
+            </a:extLst>
+          </p:cNvPr>
+          <p:cNvSpPr>
+            <a:spLocks noGrp="1"/>
+          </p:cNvSpPr>
+          <p:nvPr>
+            <p:ph type="sldNum" sz="quarter" idx="12"/>
+          </p:nvPr>
+        </p:nvSpPr>
+        <p:spPr/>
+        <p:txBody>
+          <a:bodyPr/>
+          <a:lstStyle/>
+          <a:p>
+            <a:fld id="{4B04BC67-DFA6-4863-89DB-B4077B3FACAF}" type="slidenum">
+              <a:rPr lang="en-US" smtClean="0"/>
+              <a:t>2</a:t>
+            </a:fld>
+            <a:endParaRPr lang="en-US"/>
           </a:p>
         </p:txBody>
       </p:sp>
@@ -3724,6 +4151,35 @@
               <a:rPr lang="en-US" dirty="0"/>
               <a:t>Using the symmetry and periodicity of the Twiddle Factor</a:t>
             </a:r>
+          </a:p>
+        </p:txBody>
+      </p:sp>
+      <p:sp>
+        <p:nvSpPr>
+          <p:cNvPr id="3" name="Slide Number Placeholder 2">
+            <a:extLst>
+              <a:ext uri="{FF2B5EF4-FFF2-40B4-BE49-F238E27FC236}">
+                <a16:creationId xmlns:a16="http://schemas.microsoft.com/office/drawing/2014/main" id="{BBA0DB39-F71D-21CB-572A-E6EBB7549C64}"/>
+              </a:ext>
+            </a:extLst>
+          </p:cNvPr>
+          <p:cNvSpPr>
+            <a:spLocks noGrp="1"/>
+          </p:cNvSpPr>
+          <p:nvPr>
+            <p:ph type="sldNum" sz="quarter" idx="12"/>
+          </p:nvPr>
+        </p:nvSpPr>
+        <p:spPr/>
+        <p:txBody>
+          <a:bodyPr/>
+          <a:lstStyle/>
+          <a:p>
+            <a:fld id="{4B04BC67-DFA6-4863-89DB-B4077B3FACAF}" type="slidenum">
+              <a:rPr lang="en-US" smtClean="0"/>
+              <a:t>3</a:t>
+            </a:fld>
+            <a:endParaRPr lang="en-US"/>
           </a:p>
         </p:txBody>
       </p:sp>
@@ -3787,6 +4243,35 @@
           </a:prstGeom>
         </p:spPr>
       </p:pic>
+      <p:sp>
+        <p:nvSpPr>
+          <p:cNvPr id="2" name="Slide Number Placeholder 1">
+            <a:extLst>
+              <a:ext uri="{FF2B5EF4-FFF2-40B4-BE49-F238E27FC236}">
+                <a16:creationId xmlns:a16="http://schemas.microsoft.com/office/drawing/2014/main" id="{B00E9494-3916-F8FC-7CCB-B671CC7D1812}"/>
+              </a:ext>
+            </a:extLst>
+          </p:cNvPr>
+          <p:cNvSpPr>
+            <a:spLocks noGrp="1"/>
+          </p:cNvSpPr>
+          <p:nvPr>
+            <p:ph type="sldNum" sz="quarter" idx="12"/>
+          </p:nvPr>
+        </p:nvSpPr>
+        <p:spPr/>
+        <p:txBody>
+          <a:bodyPr/>
+          <a:lstStyle/>
+          <a:p>
+            <a:fld id="{4B04BC67-DFA6-4863-89DB-B4077B3FACAF}" type="slidenum">
+              <a:rPr lang="en-US" smtClean="0"/>
+              <a:t>4</a:t>
+            </a:fld>
+            <a:endParaRPr lang="en-US"/>
+          </a:p>
+        </p:txBody>
+      </p:sp>
     </p:spTree>
     <p:extLst>
       <p:ext uri="{BB962C8B-B14F-4D97-AF65-F5344CB8AC3E}">
@@ -3847,6 +4332,35 @@
           </a:prstGeom>
         </p:spPr>
       </p:pic>
+      <p:sp>
+        <p:nvSpPr>
+          <p:cNvPr id="2" name="Slide Number Placeholder 1">
+            <a:extLst>
+              <a:ext uri="{FF2B5EF4-FFF2-40B4-BE49-F238E27FC236}">
+                <a16:creationId xmlns:a16="http://schemas.microsoft.com/office/drawing/2014/main" id="{56006B59-D49F-BDF8-8B3D-6CE92E01C808}"/>
+              </a:ext>
+            </a:extLst>
+          </p:cNvPr>
+          <p:cNvSpPr>
+            <a:spLocks noGrp="1"/>
+          </p:cNvSpPr>
+          <p:nvPr>
+            <p:ph type="sldNum" sz="quarter" idx="12"/>
+          </p:nvPr>
+        </p:nvSpPr>
+        <p:spPr/>
+        <p:txBody>
+          <a:bodyPr/>
+          <a:lstStyle/>
+          <a:p>
+            <a:fld id="{4B04BC67-DFA6-4863-89DB-B4077B3FACAF}" type="slidenum">
+              <a:rPr lang="en-US" smtClean="0"/>
+              <a:t>5</a:t>
+            </a:fld>
+            <a:endParaRPr lang="en-US"/>
+          </a:p>
+        </p:txBody>
+      </p:sp>
     </p:spTree>
     <p:extLst>
       <p:ext uri="{BB962C8B-B14F-4D97-AF65-F5344CB8AC3E}">
@@ -3907,6 +4421,35 @@
           </a:prstGeom>
         </p:spPr>
       </p:pic>
+      <p:sp>
+        <p:nvSpPr>
+          <p:cNvPr id="2" name="Slide Number Placeholder 1">
+            <a:extLst>
+              <a:ext uri="{FF2B5EF4-FFF2-40B4-BE49-F238E27FC236}">
+                <a16:creationId xmlns:a16="http://schemas.microsoft.com/office/drawing/2014/main" id="{CF3A79A1-358D-E2E1-506A-CF747698E1DB}"/>
+              </a:ext>
+            </a:extLst>
+          </p:cNvPr>
+          <p:cNvSpPr>
+            <a:spLocks noGrp="1"/>
+          </p:cNvSpPr>
+          <p:nvPr>
+            <p:ph type="sldNum" sz="quarter" idx="12"/>
+          </p:nvPr>
+        </p:nvSpPr>
+        <p:spPr/>
+        <p:txBody>
+          <a:bodyPr/>
+          <a:lstStyle/>
+          <a:p>
+            <a:fld id="{4B04BC67-DFA6-4863-89DB-B4077B3FACAF}" type="slidenum">
+              <a:rPr lang="en-US" smtClean="0"/>
+              <a:t>6</a:t>
+            </a:fld>
+            <a:endParaRPr lang="en-US"/>
+          </a:p>
+        </p:txBody>
+      </p:sp>
     </p:spTree>
     <p:extLst>
       <p:ext uri="{BB962C8B-B14F-4D97-AF65-F5344CB8AC3E}">
@@ -3967,6 +4510,35 @@
           </a:prstGeom>
         </p:spPr>
       </p:pic>
+      <p:sp>
+        <p:nvSpPr>
+          <p:cNvPr id="2" name="Slide Number Placeholder 1">
+            <a:extLst>
+              <a:ext uri="{FF2B5EF4-FFF2-40B4-BE49-F238E27FC236}">
+                <a16:creationId xmlns:a16="http://schemas.microsoft.com/office/drawing/2014/main" id="{39C75136-1C68-F7E7-EF31-63BB01BE17CA}"/>
+              </a:ext>
+            </a:extLst>
+          </p:cNvPr>
+          <p:cNvSpPr>
+            <a:spLocks noGrp="1"/>
+          </p:cNvSpPr>
+          <p:nvPr>
+            <p:ph type="sldNum" sz="quarter" idx="12"/>
+          </p:nvPr>
+        </p:nvSpPr>
+        <p:spPr/>
+        <p:txBody>
+          <a:bodyPr/>
+          <a:lstStyle/>
+          <a:p>
+            <a:fld id="{4B04BC67-DFA6-4863-89DB-B4077B3FACAF}" type="slidenum">
+              <a:rPr lang="en-US" smtClean="0"/>
+              <a:t>7</a:t>
+            </a:fld>
+            <a:endParaRPr lang="en-US"/>
+          </a:p>
+        </p:txBody>
+      </p:sp>
     </p:spTree>
     <p:extLst>
       <p:ext uri="{BB962C8B-B14F-4D97-AF65-F5344CB8AC3E}">
@@ -4027,6 +4599,35 @@
           </a:prstGeom>
         </p:spPr>
       </p:pic>
+      <p:sp>
+        <p:nvSpPr>
+          <p:cNvPr id="2" name="Slide Number Placeholder 1">
+            <a:extLst>
+              <a:ext uri="{FF2B5EF4-FFF2-40B4-BE49-F238E27FC236}">
+                <a16:creationId xmlns:a16="http://schemas.microsoft.com/office/drawing/2014/main" id="{2E2FF3BF-0E85-8CB1-711A-25A58BE5ADC1}"/>
+              </a:ext>
+            </a:extLst>
+          </p:cNvPr>
+          <p:cNvSpPr>
+            <a:spLocks noGrp="1"/>
+          </p:cNvSpPr>
+          <p:nvPr>
+            <p:ph type="sldNum" sz="quarter" idx="12"/>
+          </p:nvPr>
+        </p:nvSpPr>
+        <p:spPr/>
+        <p:txBody>
+          <a:bodyPr/>
+          <a:lstStyle/>
+          <a:p>
+            <a:fld id="{4B04BC67-DFA6-4863-89DB-B4077B3FACAF}" type="slidenum">
+              <a:rPr lang="en-US" smtClean="0"/>
+              <a:t>8</a:t>
+            </a:fld>
+            <a:endParaRPr lang="en-US"/>
+          </a:p>
+        </p:txBody>
+      </p:sp>
     </p:spTree>
     <p:extLst>
       <p:ext uri="{BB962C8B-B14F-4D97-AF65-F5344CB8AC3E}">
@@ -4116,6 +4717,35 @@
           </a:prstGeom>
         </p:spPr>
       </p:pic>
+      <p:sp>
+        <p:nvSpPr>
+          <p:cNvPr id="2" name="Slide Number Placeholder 1">
+            <a:extLst>
+              <a:ext uri="{FF2B5EF4-FFF2-40B4-BE49-F238E27FC236}">
+                <a16:creationId xmlns:a16="http://schemas.microsoft.com/office/drawing/2014/main" id="{2EDE5C57-4B3B-20E9-6E52-29ADBB7837B0}"/>
+              </a:ext>
+            </a:extLst>
+          </p:cNvPr>
+          <p:cNvSpPr>
+            <a:spLocks noGrp="1"/>
+          </p:cNvSpPr>
+          <p:nvPr>
+            <p:ph type="sldNum" sz="quarter" idx="12"/>
+          </p:nvPr>
+        </p:nvSpPr>
+        <p:spPr/>
+        <p:txBody>
+          <a:bodyPr/>
+          <a:lstStyle/>
+          <a:p>
+            <a:fld id="{4B04BC67-DFA6-4863-89DB-B4077B3FACAF}" type="slidenum">
+              <a:rPr lang="en-US" smtClean="0"/>
+              <a:t>9</a:t>
+            </a:fld>
+            <a:endParaRPr lang="en-US"/>
+          </a:p>
+        </p:txBody>
+      </p:sp>
     </p:spTree>
     <p:extLst>
       <p:ext uri="{BB962C8B-B14F-4D97-AF65-F5344CB8AC3E}">
